--- a/Vukasin Popovic Prezentacije/Vukasin Popovic Speech recognition Tema 3.pptx
+++ b/Vukasin Popovic Prezentacije/Vukasin Popovic Speech recognition Tema 3.pptx
@@ -13,19 +13,10 @@
     <p:sldId id="261" r:id="rId7"/>
     <p:sldId id="262" r:id="rId8"/>
     <p:sldId id="263" r:id="rId9"/>
-    <p:sldId id="264" r:id="rId10"/>
-    <p:sldId id="265" r:id="rId11"/>
-    <p:sldId id="266" r:id="rId12"/>
-    <p:sldId id="267" r:id="rId13"/>
-    <p:sldId id="268" r:id="rId14"/>
-    <p:sldId id="269" r:id="rId15"/>
-    <p:sldId id="270" r:id="rId16"/>
-    <p:sldId id="271" r:id="rId17"/>
-    <p:sldId id="272" r:id="rId18"/>
-    <p:sldId id="273" r:id="rId19"/>
-    <p:sldId id="274" r:id="rId20"/>
-    <p:sldId id="275" r:id="rId21"/>
-    <p:sldId id="276" r:id="rId22"/>
+    <p:sldId id="268" r:id="rId10"/>
+    <p:sldId id="277" r:id="rId11"/>
+    <p:sldId id="275" r:id="rId12"/>
+    <p:sldId id="276" r:id="rId13"/>
   </p:sldIdLst>
   <p:sldSz cx="12192000" cy="6858000"/>
   <p:notesSz cx="6858000" cy="9144000"/>
@@ -300,7 +291,7 @@
           <a:p>
             <a:fld id="{D05B0792-8DCF-49E3-8199-5C19347ED2C6}" type="datetimeFigureOut">
               <a:rPr lang="en-GB" smtClean="0"/>
-              <a:t>13.01.2026</a:t>
+              <a:t>26/01/2026</a:t>
             </a:fld>
             <a:endParaRPr lang="en-GB"/>
           </a:p>
@@ -405,6 +396,13 @@
             <a:schemeClr val="lt1"/>
           </a:fontRef>
         </p:style>
+        <p:txBody>
+          <a:bodyPr/>
+          <a:lstStyle/>
+          <a:p>
+            <a:endParaRPr lang="en-US"/>
+          </a:p>
+        </p:txBody>
       </p:sp>
     </p:spTree>
     <p:extLst>
@@ -528,7 +526,7 @@
           <a:p>
             <a:fld id="{D05B0792-8DCF-49E3-8199-5C19347ED2C6}" type="datetimeFigureOut">
               <a:rPr lang="en-GB" smtClean="0"/>
-              <a:t>13.01.2026</a:t>
+              <a:t>26/01/2026</a:t>
             </a:fld>
             <a:endParaRPr lang="en-GB"/>
           </a:p>
@@ -708,7 +706,7 @@
           <a:p>
             <a:fld id="{D05B0792-8DCF-49E3-8199-5C19347ED2C6}" type="datetimeFigureOut">
               <a:rPr lang="en-GB" smtClean="0"/>
-              <a:t>13.01.2026</a:t>
+              <a:t>26/01/2026</a:t>
             </a:fld>
             <a:endParaRPr lang="en-GB"/>
           </a:p>
@@ -878,7 +876,7 @@
           <a:p>
             <a:fld id="{D05B0792-8DCF-49E3-8199-5C19347ED2C6}" type="datetimeFigureOut">
               <a:rPr lang="en-GB" smtClean="0"/>
-              <a:t>13.01.2026</a:t>
+              <a:t>26/01/2026</a:t>
             </a:fld>
             <a:endParaRPr lang="en-GB"/>
           </a:p>
@@ -1132,7 +1130,7 @@
           <a:p>
             <a:fld id="{D05B0792-8DCF-49E3-8199-5C19347ED2C6}" type="datetimeFigureOut">
               <a:rPr lang="en-GB" smtClean="0"/>
-              <a:t>13.01.2026</a:t>
+              <a:t>26/01/2026</a:t>
             </a:fld>
             <a:endParaRPr lang="en-GB"/>
           </a:p>
@@ -1217,6 +1215,13 @@
             <a:schemeClr val="lt1"/>
           </a:fontRef>
         </p:style>
+        <p:txBody>
+          <a:bodyPr/>
+          <a:lstStyle/>
+          <a:p>
+            <a:endParaRPr lang="en-US"/>
+          </a:p>
+        </p:txBody>
       </p:sp>
     </p:spTree>
     <p:extLst>
@@ -1458,7 +1463,7 @@
           <a:p>
             <a:fld id="{D05B0792-8DCF-49E3-8199-5C19347ED2C6}" type="datetimeFigureOut">
               <a:rPr lang="en-GB" smtClean="0"/>
-              <a:t>13.01.2026</a:t>
+              <a:t>26/01/2026</a:t>
             </a:fld>
             <a:endParaRPr lang="en-GB"/>
           </a:p>
@@ -1909,7 +1914,7 @@
           <a:p>
             <a:fld id="{D05B0792-8DCF-49E3-8199-5C19347ED2C6}" type="datetimeFigureOut">
               <a:rPr lang="en-GB" smtClean="0"/>
-              <a:t>13.01.2026</a:t>
+              <a:t>26/01/2026</a:t>
             </a:fld>
             <a:endParaRPr lang="en-GB"/>
           </a:p>
@@ -2027,7 +2032,7 @@
           <a:p>
             <a:fld id="{D05B0792-8DCF-49E3-8199-5C19347ED2C6}" type="datetimeFigureOut">
               <a:rPr lang="en-GB" smtClean="0"/>
-              <a:t>13.01.2026</a:t>
+              <a:t>26/01/2026</a:t>
             </a:fld>
             <a:endParaRPr lang="en-GB"/>
           </a:p>
@@ -2122,7 +2127,7 @@
           <a:p>
             <a:fld id="{D05B0792-8DCF-49E3-8199-5C19347ED2C6}" type="datetimeFigureOut">
               <a:rPr lang="en-GB" smtClean="0"/>
-              <a:t>13.01.2026</a:t>
+              <a:t>26/01/2026</a:t>
             </a:fld>
             <a:endParaRPr lang="en-GB"/>
           </a:p>
@@ -2409,7 +2414,7 @@
           <a:p>
             <a:fld id="{D05B0792-8DCF-49E3-8199-5C19347ED2C6}" type="datetimeFigureOut">
               <a:rPr lang="en-GB" smtClean="0"/>
-              <a:t>13.01.2026</a:t>
+              <a:t>26/01/2026</a:t>
             </a:fld>
             <a:endParaRPr lang="en-GB"/>
           </a:p>
@@ -2524,6 +2529,13 @@
             <a:schemeClr val="lt1"/>
           </a:fontRef>
         </p:style>
+        <p:txBody>
+          <a:bodyPr/>
+          <a:lstStyle/>
+          <a:p>
+            <a:endParaRPr lang="en-US"/>
+          </a:p>
+        </p:txBody>
       </p:sp>
       <p:sp>
         <p:nvSpPr>
@@ -2730,7 +2742,7 @@
           <a:p>
             <a:fld id="{D05B0792-8DCF-49E3-8199-5C19347ED2C6}" type="datetimeFigureOut">
               <a:rPr lang="en-GB" smtClean="0"/>
-              <a:t>13.01.2026</a:t>
+              <a:t>26/01/2026</a:t>
             </a:fld>
             <a:endParaRPr lang="en-GB"/>
           </a:p>
@@ -2852,6 +2864,13 @@
             <a:schemeClr val="lt1"/>
           </a:fontRef>
         </p:style>
+        <p:txBody>
+          <a:bodyPr/>
+          <a:lstStyle/>
+          <a:p>
+            <a:endParaRPr lang="en-US"/>
+          </a:p>
+        </p:txBody>
       </p:sp>
       <p:sp>
         <p:nvSpPr>
@@ -2984,7 +3003,7 @@
           <a:p>
             <a:fld id="{D05B0792-8DCF-49E3-8199-5C19347ED2C6}" type="datetimeFigureOut">
               <a:rPr lang="en-GB" smtClean="0"/>
-              <a:t>13.01.2026</a:t>
+              <a:t>26/01/2026</a:t>
             </a:fld>
             <a:endParaRPr lang="en-GB"/>
           </a:p>
@@ -3852,7 +3871,7 @@
           <p:cNvPr id="2" name="Title 1">
             <a:extLst>
               <a:ext uri="{FF2B5EF4-FFF2-40B4-BE49-F238E27FC236}">
-                <a16:creationId xmlns:a16="http://schemas.microsoft.com/office/drawing/2014/main" id="{DA4C0CD5-4C86-27D2-74D5-BC1C1C6686E3}"/>
+                <a16:creationId xmlns:a16="http://schemas.microsoft.com/office/drawing/2014/main" id="{A9347E11-8401-F21F-7062-738A73A8E8BF}"/>
               </a:ext>
             </a:extLst>
           </p:cNvPr>
@@ -3869,9 +3888,14 @@
           <a:lstStyle/>
           <a:p>
             <a:r>
-              <a:rPr lang="en-GB"/>
-              <a:t>Common Voice (Mozilla)</a:t>
-            </a:r>
+              <a:rPr lang="en-US" dirty="0"/>
+              <a:t>Najpoznatiji javni dataset-</a:t>
+            </a:r>
+            <a:r>
+              <a:rPr lang="en-US" dirty="0" err="1"/>
+              <a:t>i</a:t>
+            </a:r>
+            <a:endParaRPr lang="en-US" dirty="0"/>
           </a:p>
         </p:txBody>
       </p:sp>
@@ -3880,7 +3904,7 @@
           <p:cNvPr id="3" name="Content Placeholder 2">
             <a:extLst>
               <a:ext uri="{FF2B5EF4-FFF2-40B4-BE49-F238E27FC236}">
-                <a16:creationId xmlns:a16="http://schemas.microsoft.com/office/drawing/2014/main" id="{E0E8FF6F-C0B1-CE77-D437-D881204AF71B}"/>
+                <a16:creationId xmlns:a16="http://schemas.microsoft.com/office/drawing/2014/main" id="{C2748B11-A7E1-4A9D-CD60-B5B8F553FF7D}"/>
               </a:ext>
             </a:extLst>
           </p:cNvPr>
@@ -3899,55 +3923,34 @@
           <a:lstStyle/>
           <a:p>
             <a:r>
-              <a:rPr lang="en-GB" sz="2400"/>
-              <a:t>Common Voice je projekat kompanije Mozilla.</a:t>
-            </a:r>
-            <a:endParaRPr lang="sr-Latn-RS" sz="2400"/>
-          </a:p>
-          <a:p>
-            <a:r>
-              <a:rPr lang="en-GB" sz="2400"/>
-              <a:t>Karakteristike:</a:t>
-            </a:r>
-            <a:endParaRPr lang="sr-Latn-RS" sz="2400"/>
-          </a:p>
-          <a:p>
-            <a:pPr lvl="1"/>
-            <a:r>
-              <a:rPr lang="en-GB" sz="2400"/>
-              <a:t>veliki broj jezika</a:t>
-            </a:r>
-            <a:endParaRPr lang="sr-Latn-RS" sz="2400"/>
-          </a:p>
-          <a:p>
-            <a:pPr lvl="1"/>
-            <a:r>
-              <a:rPr lang="en-GB" sz="2400"/>
-              <a:t>podaci prikupljeni od volontera</a:t>
-            </a:r>
-            <a:endParaRPr lang="sr-Latn-RS" sz="2400"/>
-          </a:p>
-          <a:p>
-            <a:pPr lvl="1"/>
-            <a:r>
-              <a:rPr lang="it-IT" sz="2400"/>
-              <a:t>razni akcenti i stilovi govora</a:t>
-            </a:r>
-            <a:endParaRPr lang="sr-Latn-RS" sz="2400"/>
-          </a:p>
-          <a:p>
-            <a:r>
-              <a:rPr lang="pl-PL" sz="2400"/>
-              <a:t>Posebno je značajan za manje zastupljene jezike.</a:t>
-            </a:r>
-            <a:endParaRPr lang="en-GB" sz="2400"/>
+              <a:rPr lang="en-US" sz="2400" dirty="0"/>
+              <a:t>LibriSpeech – čisti, engleski govor</a:t>
+            </a:r>
+          </a:p>
+          <a:p>
+            <a:r>
+              <a:rPr lang="en-US" sz="2400" dirty="0"/>
+              <a:t>Common Voice (Mozilla) – više jezika i akcenata</a:t>
+            </a:r>
+          </a:p>
+          <a:p>
+            <a:r>
+              <a:rPr lang="en-US" sz="2400" dirty="0"/>
+              <a:t>TED-LIUM – javni govori</a:t>
+            </a:r>
+          </a:p>
+          <a:p>
+            <a:r>
+              <a:rPr lang="en-US" sz="2400" dirty="0"/>
+              <a:t>Switchboard – spontani telefonski razgovori</a:t>
+            </a:r>
           </a:p>
         </p:txBody>
       </p:sp>
     </p:spTree>
     <p:extLst>
       <p:ext uri="{BB962C8B-B14F-4D97-AF65-F5344CB8AC3E}">
-        <p14:creationId xmlns:p14="http://schemas.microsoft.com/office/powerpoint/2010/main" val="380387353"/>
+        <p14:creationId xmlns:p14="http://schemas.microsoft.com/office/powerpoint/2010/main" val="3308977331"/>
       </p:ext>
     </p:extLst>
   </p:cSld>
@@ -3979,7 +3982,7 @@
           <p:cNvPr id="2" name="Title 1">
             <a:extLst>
               <a:ext uri="{FF2B5EF4-FFF2-40B4-BE49-F238E27FC236}">
-                <a16:creationId xmlns:a16="http://schemas.microsoft.com/office/drawing/2014/main" id="{298245BD-46E6-4CE2-4F09-A4A7AA1FFC2A}"/>
+                <a16:creationId xmlns:a16="http://schemas.microsoft.com/office/drawing/2014/main" id="{DA7C6D56-A459-9DD6-C24F-2C9E1FA2F86E}"/>
               </a:ext>
             </a:extLst>
           </p:cNvPr>
@@ -3997,7 +4000,7 @@
           <a:p>
             <a:r>
               <a:rPr lang="en-GB"/>
-              <a:t>TED-LIUM dataset</a:t>
+              <a:t>Zaključak</a:t>
             </a:r>
           </a:p>
         </p:txBody>
@@ -4007,7 +4010,7 @@
           <p:cNvPr id="3" name="Content Placeholder 2">
             <a:extLst>
               <a:ext uri="{FF2B5EF4-FFF2-40B4-BE49-F238E27FC236}">
-                <a16:creationId xmlns:a16="http://schemas.microsoft.com/office/drawing/2014/main" id="{05C915AE-B8A0-09D4-7BEC-E2201E091CA8}"/>
+                <a16:creationId xmlns:a16="http://schemas.microsoft.com/office/drawing/2014/main" id="{F12CAFF4-F9DE-D853-B8FF-B8252CEC2941}"/>
               </a:ext>
             </a:extLst>
           </p:cNvPr>
@@ -4027,47 +4030,29 @@
           <a:p>
             <a:r>
               <a:rPr lang="en-GB" sz="2400"/>
-              <a:t>TED-LIUM sadrži:</a:t>
+              <a:t>Izvori podataka su ključni faktor uspeha sistema za prepoznavanje govora.</a:t>
             </a:r>
             <a:endParaRPr lang="sr-Latn-RS" sz="2400"/>
           </a:p>
           <a:p>
-            <a:pPr lvl="1"/>
             <a:r>
               <a:rPr lang="en-GB" sz="2400"/>
-              <a:t>snimke TED govora</a:t>
+              <a:t>Javni dataset-i omogućavaju istraživanje i razvoj.</a:t>
             </a:r>
             <a:endParaRPr lang="sr-Latn-RS" sz="2400"/>
           </a:p>
           <a:p>
-            <a:pPr lvl="1"/>
             <a:r>
               <a:rPr lang="en-GB" sz="2400"/>
-              <a:t>profesionalne govornike</a:t>
-            </a:r>
-            <a:endParaRPr lang="sr-Latn-RS" sz="2400"/>
-          </a:p>
-          <a:p>
-            <a:pPr lvl="1"/>
-            <a:r>
-              <a:rPr lang="en-GB" sz="2400"/>
-              <a:t>kvalitetne transkripcije</a:t>
-            </a:r>
-            <a:endParaRPr lang="sr-Latn-RS" sz="2400"/>
-          </a:p>
-          <a:p>
-            <a:r>
-              <a:rPr lang="pl-PL" sz="2400"/>
-              <a:t>Koristi se za prepoznavanje govora u javnim nastupima.</a:t>
-            </a:r>
-            <a:endParaRPr lang="en-GB" sz="2400"/>
+              <a:t>Ipak, kvalitet, raznovrsnost i etički aspekti ostaju veliki izazovi u ovoj oblasti.</a:t>
+            </a:r>
           </a:p>
         </p:txBody>
       </p:sp>
     </p:spTree>
     <p:extLst>
       <p:ext uri="{BB962C8B-B14F-4D97-AF65-F5344CB8AC3E}">
-        <p14:creationId xmlns:p14="http://schemas.microsoft.com/office/powerpoint/2010/main" val="2098747330"/>
+        <p14:creationId xmlns:p14="http://schemas.microsoft.com/office/powerpoint/2010/main" val="549290673"/>
       </p:ext>
     </p:extLst>
   </p:cSld>
@@ -4099,7 +4084,7 @@
           <p:cNvPr id="2" name="Title 1">
             <a:extLst>
               <a:ext uri="{FF2B5EF4-FFF2-40B4-BE49-F238E27FC236}">
-                <a16:creationId xmlns:a16="http://schemas.microsoft.com/office/drawing/2014/main" id="{314E6DC2-0813-501D-4A0F-31C815485202}"/>
+                <a16:creationId xmlns:a16="http://schemas.microsoft.com/office/drawing/2014/main" id="{A9538091-97C3-2BE3-A213-3AE0857169BD}"/>
               </a:ext>
             </a:extLst>
           </p:cNvPr>
@@ -4107,951 +4092,27 @@
             <a:spLocks noGrp="1"/>
           </p:cNvSpPr>
           <p:nvPr>
-            <p:ph type="title"/>
-          </p:nvPr>
-        </p:nvSpPr>
-        <p:spPr/>
-        <p:txBody>
-          <a:bodyPr/>
-          <a:lstStyle/>
-          <a:p>
-            <a:r>
-              <a:rPr lang="en-GB"/>
-              <a:t>Switchboard dataset</a:t>
-            </a:r>
-          </a:p>
-        </p:txBody>
-      </p:sp>
-      <p:sp>
-        <p:nvSpPr>
-          <p:cNvPr id="3" name="Content Placeholder 2">
-            <a:extLst>
-              <a:ext uri="{FF2B5EF4-FFF2-40B4-BE49-F238E27FC236}">
-                <a16:creationId xmlns:a16="http://schemas.microsoft.com/office/drawing/2014/main" id="{E2B32236-4306-2BA3-AC3A-DE2BF967A2CC}"/>
-              </a:ext>
-            </a:extLst>
-          </p:cNvPr>
-          <p:cNvSpPr>
-            <a:spLocks noGrp="1"/>
-          </p:cNvSpPr>
-          <p:nvPr>
-            <p:ph idx="1"/>
-          </p:nvPr>
-        </p:nvSpPr>
-        <p:spPr/>
-        <p:txBody>
-          <a:bodyPr>
-            <a:normAutofit/>
-          </a:bodyPr>
-          <a:lstStyle/>
-          <a:p>
-            <a:r>
-              <a:rPr lang="en-GB" sz="2400"/>
-              <a:t>Switchboard sadrži:</a:t>
-            </a:r>
-            <a:endParaRPr lang="sr-Latn-RS" sz="2400"/>
-          </a:p>
-          <a:p>
-            <a:pPr lvl="1"/>
-            <a:r>
-              <a:rPr lang="en-GB" sz="2400"/>
-              <a:t>telefonske razgovore</a:t>
-            </a:r>
-            <a:endParaRPr lang="sr-Latn-RS" sz="2400"/>
-          </a:p>
-          <a:p>
-            <a:pPr lvl="1"/>
-            <a:r>
-              <a:rPr lang="en-GB" sz="2400"/>
-              <a:t>spontan govor</a:t>
-            </a:r>
-            <a:endParaRPr lang="sr-Latn-RS" sz="2400"/>
-          </a:p>
-          <a:p>
-            <a:pPr lvl="1"/>
-            <a:r>
-              <a:rPr lang="en-GB" sz="2400"/>
-              <a:t>različite govornike</a:t>
-            </a:r>
-            <a:endParaRPr lang="sr-Latn-RS" sz="2400"/>
-          </a:p>
-          <a:p>
-            <a:r>
-              <a:rPr lang="pl-PL" sz="2400"/>
-              <a:t>Ovaj dataset je važan za realne konverzacione sisteme.</a:t>
-            </a:r>
-            <a:endParaRPr lang="en-GB" sz="2400"/>
+            <p:ph type="ctrTitle"/>
+          </p:nvPr>
+        </p:nvSpPr>
+        <p:spPr/>
+        <p:txBody>
+          <a:bodyPr anchor="ctr"/>
+          <a:lstStyle/>
+          <a:p>
+            <a:pPr algn="ctr"/>
+            <a:r>
+              <a:rPr lang="sr-Latn-RS"/>
+              <a:t>Hvala na pažnji!</a:t>
+            </a:r>
+            <a:endParaRPr lang="en-GB"/>
           </a:p>
         </p:txBody>
       </p:sp>
     </p:spTree>
     <p:extLst>
       <p:ext uri="{BB962C8B-B14F-4D97-AF65-F5344CB8AC3E}">
-        <p14:creationId xmlns:p14="http://schemas.microsoft.com/office/powerpoint/2010/main" val="3864942590"/>
-      </p:ext>
-    </p:extLst>
-  </p:cSld>
-  <p:clrMapOvr>
-    <a:masterClrMapping/>
-  </p:clrMapOvr>
-</p:sld>
-</file>
-
-<file path=ppt/slides/slide13.xml><?xml version="1.0" encoding="utf-8"?>
-<p:sld xmlns:a="http://schemas.openxmlformats.org/drawingml/2006/main" xmlns:r="http://schemas.openxmlformats.org/officeDocument/2006/relationships" xmlns:p="http://schemas.openxmlformats.org/presentationml/2006/main">
-  <p:cSld>
-    <p:spTree>
-      <p:nvGrpSpPr>
-        <p:cNvPr id="1" name=""/>
-        <p:cNvGrpSpPr/>
-        <p:nvPr/>
-      </p:nvGrpSpPr>
-      <p:grpSpPr>
-        <a:xfrm>
-          <a:off x="0" y="0"/>
-          <a:ext cx="0" cy="0"/>
-          <a:chOff x="0" y="0"/>
-          <a:chExt cx="0" cy="0"/>
-        </a:xfrm>
-      </p:grpSpPr>
-      <p:sp>
-        <p:nvSpPr>
-          <p:cNvPr id="2" name="Title 1">
-            <a:extLst>
-              <a:ext uri="{FF2B5EF4-FFF2-40B4-BE49-F238E27FC236}">
-                <a16:creationId xmlns:a16="http://schemas.microsoft.com/office/drawing/2014/main" id="{97876E85-E00E-D586-DE21-5401B945A829}"/>
-              </a:ext>
-            </a:extLst>
-          </p:cNvPr>
-          <p:cNvSpPr>
-            <a:spLocks noGrp="1"/>
-          </p:cNvSpPr>
-          <p:nvPr>
-            <p:ph type="title"/>
-          </p:nvPr>
-        </p:nvSpPr>
-        <p:spPr/>
-        <p:txBody>
-          <a:bodyPr/>
-          <a:lstStyle/>
-          <a:p>
-            <a:r>
-              <a:rPr lang="en-GB"/>
-              <a:t>Industrijski i komercijalni izvori</a:t>
-            </a:r>
-          </a:p>
-        </p:txBody>
-      </p:sp>
-      <p:sp>
-        <p:nvSpPr>
-          <p:cNvPr id="3" name="Content Placeholder 2">
-            <a:extLst>
-              <a:ext uri="{FF2B5EF4-FFF2-40B4-BE49-F238E27FC236}">
-                <a16:creationId xmlns:a16="http://schemas.microsoft.com/office/drawing/2014/main" id="{CBE0C052-B698-0216-32D9-02C0AC75A02A}"/>
-              </a:ext>
-            </a:extLst>
-          </p:cNvPr>
-          <p:cNvSpPr>
-            <a:spLocks noGrp="1"/>
-          </p:cNvSpPr>
-          <p:nvPr>
-            <p:ph idx="1"/>
-          </p:nvPr>
-        </p:nvSpPr>
-        <p:spPr/>
-        <p:txBody>
-          <a:bodyPr>
-            <a:normAutofit/>
-          </a:bodyPr>
-          <a:lstStyle/>
-          <a:p>
-            <a:r>
-              <a:rPr lang="en-GB" sz="2400"/>
-              <a:t>Velike kompanije koriste:</a:t>
-            </a:r>
-            <a:endParaRPr lang="sr-Latn-RS" sz="2400"/>
-          </a:p>
-          <a:p>
-            <a:pPr lvl="1"/>
-            <a:r>
-              <a:rPr lang="en-GB" sz="2400"/>
-              <a:t>privatne dataset-e</a:t>
-            </a:r>
-            <a:endParaRPr lang="sr-Latn-RS" sz="2400"/>
-          </a:p>
-          <a:p>
-            <a:pPr lvl="1"/>
-            <a:r>
-              <a:rPr lang="en-GB" sz="2400"/>
-              <a:t>snimke korisničkih interakcija</a:t>
-            </a:r>
-            <a:endParaRPr lang="sr-Latn-RS" sz="2400"/>
-          </a:p>
-          <a:p>
-            <a:pPr lvl="1"/>
-            <a:r>
-              <a:rPr lang="en-GB" sz="2400"/>
-              <a:t>podatke iz call centara</a:t>
-            </a:r>
-            <a:endParaRPr lang="sr-Latn-RS" sz="2400"/>
-          </a:p>
-          <a:p>
-            <a:r>
-              <a:rPr lang="en-GB" sz="2400"/>
-              <a:t>Ovi podaci često nisu javno dostupni zbog privatnosti.</a:t>
-            </a:r>
-          </a:p>
-        </p:txBody>
-      </p:sp>
-    </p:spTree>
-    <p:extLst>
-      <p:ext uri="{BB962C8B-B14F-4D97-AF65-F5344CB8AC3E}">
-        <p14:creationId xmlns:p14="http://schemas.microsoft.com/office/powerpoint/2010/main" val="2676000572"/>
-      </p:ext>
-    </p:extLst>
-  </p:cSld>
-  <p:clrMapOvr>
-    <a:masterClrMapping/>
-  </p:clrMapOvr>
-</p:sld>
-</file>
-
-<file path=ppt/slides/slide14.xml><?xml version="1.0" encoding="utf-8"?>
-<p:sld xmlns:a="http://schemas.openxmlformats.org/drawingml/2006/main" xmlns:r="http://schemas.openxmlformats.org/officeDocument/2006/relationships" xmlns:p="http://schemas.openxmlformats.org/presentationml/2006/main">
-  <p:cSld>
-    <p:spTree>
-      <p:nvGrpSpPr>
-        <p:cNvPr id="1" name=""/>
-        <p:cNvGrpSpPr/>
-        <p:nvPr/>
-      </p:nvGrpSpPr>
-      <p:grpSpPr>
-        <a:xfrm>
-          <a:off x="0" y="0"/>
-          <a:ext cx="0" cy="0"/>
-          <a:chOff x="0" y="0"/>
-          <a:chExt cx="0" cy="0"/>
-        </a:xfrm>
-      </p:grpSpPr>
-      <p:sp>
-        <p:nvSpPr>
-          <p:cNvPr id="2" name="Title 1">
-            <a:extLst>
-              <a:ext uri="{FF2B5EF4-FFF2-40B4-BE49-F238E27FC236}">
-                <a16:creationId xmlns:a16="http://schemas.microsoft.com/office/drawing/2014/main" id="{8E3DF166-7193-DA31-8928-9F6BF204B8C9}"/>
-              </a:ext>
-            </a:extLst>
-          </p:cNvPr>
-          <p:cNvSpPr>
-            <a:spLocks noGrp="1"/>
-          </p:cNvSpPr>
-          <p:nvPr>
-            <p:ph type="title"/>
-          </p:nvPr>
-        </p:nvSpPr>
-        <p:spPr/>
-        <p:txBody>
-          <a:bodyPr/>
-          <a:lstStyle/>
-          <a:p>
-            <a:r>
-              <a:rPr lang="en-GB"/>
-              <a:t>Prikupljanje sopstvenih podataka</a:t>
-            </a:r>
-          </a:p>
-        </p:txBody>
-      </p:sp>
-      <p:sp>
-        <p:nvSpPr>
-          <p:cNvPr id="3" name="Content Placeholder 2">
-            <a:extLst>
-              <a:ext uri="{FF2B5EF4-FFF2-40B4-BE49-F238E27FC236}">
-                <a16:creationId xmlns:a16="http://schemas.microsoft.com/office/drawing/2014/main" id="{24D9374C-BD28-3E19-2266-B5A364D318C3}"/>
-              </a:ext>
-            </a:extLst>
-          </p:cNvPr>
-          <p:cNvSpPr>
-            <a:spLocks noGrp="1"/>
-          </p:cNvSpPr>
-          <p:nvPr>
-            <p:ph idx="1"/>
-          </p:nvPr>
-        </p:nvSpPr>
-        <p:spPr/>
-        <p:txBody>
-          <a:bodyPr>
-            <a:normAutofit/>
-          </a:bodyPr>
-          <a:lstStyle/>
-          <a:p>
-            <a:r>
-              <a:rPr lang="en-GB" sz="2400"/>
-              <a:t>Organizacije često prikupljaju sopstvene podatke:</a:t>
-            </a:r>
-            <a:endParaRPr lang="sr-Latn-RS" sz="2400"/>
-          </a:p>
-          <a:p>
-            <a:pPr lvl="1"/>
-            <a:r>
-              <a:rPr lang="en-GB" sz="2400"/>
-              <a:t>snimanjem korisnika</a:t>
-            </a:r>
-            <a:endParaRPr lang="sr-Latn-RS" sz="2400"/>
-          </a:p>
-          <a:p>
-            <a:pPr lvl="1"/>
-            <a:r>
-              <a:rPr lang="en-GB" sz="2400"/>
-              <a:t>mobilnim aplikacijama</a:t>
-            </a:r>
-            <a:endParaRPr lang="sr-Latn-RS" sz="2400"/>
-          </a:p>
-          <a:p>
-            <a:pPr lvl="1"/>
-            <a:r>
-              <a:rPr lang="en-GB" sz="2400"/>
-              <a:t>pametnim uređajima</a:t>
-            </a:r>
-            <a:endParaRPr lang="sr-Latn-RS" sz="2400"/>
-          </a:p>
-          <a:p>
-            <a:r>
-              <a:rPr lang="en-GB" sz="2400"/>
-              <a:t>Ovaj pristup omogućava prilagođavanje specifičnom domenu.</a:t>
-            </a:r>
-          </a:p>
-        </p:txBody>
-      </p:sp>
-    </p:spTree>
-    <p:extLst>
-      <p:ext uri="{BB962C8B-B14F-4D97-AF65-F5344CB8AC3E}">
-        <p14:creationId xmlns:p14="http://schemas.microsoft.com/office/powerpoint/2010/main" val="3732614567"/>
-      </p:ext>
-    </p:extLst>
-  </p:cSld>
-  <p:clrMapOvr>
-    <a:masterClrMapping/>
-  </p:clrMapOvr>
-</p:sld>
-</file>
-
-<file path=ppt/slides/slide15.xml><?xml version="1.0" encoding="utf-8"?>
-<p:sld xmlns:a="http://schemas.openxmlformats.org/drawingml/2006/main" xmlns:r="http://schemas.openxmlformats.org/officeDocument/2006/relationships" xmlns:p="http://schemas.openxmlformats.org/presentationml/2006/main">
-  <p:cSld>
-    <p:spTree>
-      <p:nvGrpSpPr>
-        <p:cNvPr id="1" name=""/>
-        <p:cNvGrpSpPr/>
-        <p:nvPr/>
-      </p:nvGrpSpPr>
-      <p:grpSpPr>
-        <a:xfrm>
-          <a:off x="0" y="0"/>
-          <a:ext cx="0" cy="0"/>
-          <a:chOff x="0" y="0"/>
-          <a:chExt cx="0" cy="0"/>
-        </a:xfrm>
-      </p:grpSpPr>
-      <p:sp>
-        <p:nvSpPr>
-          <p:cNvPr id="2" name="Title 1">
-            <a:extLst>
-              <a:ext uri="{FF2B5EF4-FFF2-40B4-BE49-F238E27FC236}">
-                <a16:creationId xmlns:a16="http://schemas.microsoft.com/office/drawing/2014/main" id="{3628040C-656E-08CF-40FC-7923FEDCA9B4}"/>
-              </a:ext>
-            </a:extLst>
-          </p:cNvPr>
-          <p:cNvSpPr>
-            <a:spLocks noGrp="1"/>
-          </p:cNvSpPr>
-          <p:nvPr>
-            <p:ph type="title"/>
-          </p:nvPr>
-        </p:nvSpPr>
-        <p:spPr/>
-        <p:txBody>
-          <a:bodyPr/>
-          <a:lstStyle/>
-          <a:p>
-            <a:r>
-              <a:rPr lang="en-GB"/>
-              <a:t>Etika i privatnost</a:t>
-            </a:r>
-          </a:p>
-        </p:txBody>
-      </p:sp>
-      <p:sp>
-        <p:nvSpPr>
-          <p:cNvPr id="3" name="Content Placeholder 2">
-            <a:extLst>
-              <a:ext uri="{FF2B5EF4-FFF2-40B4-BE49-F238E27FC236}">
-                <a16:creationId xmlns:a16="http://schemas.microsoft.com/office/drawing/2014/main" id="{1C6F8A82-5F0A-31E4-0886-E3D3CE93AD65}"/>
-              </a:ext>
-            </a:extLst>
-          </p:cNvPr>
-          <p:cNvSpPr>
-            <a:spLocks noGrp="1"/>
-          </p:cNvSpPr>
-          <p:nvPr>
-            <p:ph idx="1"/>
-          </p:nvPr>
-        </p:nvSpPr>
-        <p:spPr/>
-        <p:txBody>
-          <a:bodyPr>
-            <a:normAutofit/>
-          </a:bodyPr>
-          <a:lstStyle/>
-          <a:p>
-            <a:r>
-              <a:rPr lang="en-GB" sz="2400"/>
-              <a:t>Rad sa govorom podrazumeva osetljive podatke.</a:t>
-            </a:r>
-            <a:endParaRPr lang="sr-Latn-RS" sz="2400"/>
-          </a:p>
-          <a:p>
-            <a:r>
-              <a:rPr lang="en-GB" sz="2400"/>
-              <a:t>Važno je obratiti pažnju na:</a:t>
-            </a:r>
-            <a:endParaRPr lang="sr-Latn-RS" sz="2400"/>
-          </a:p>
-          <a:p>
-            <a:pPr lvl="1"/>
-            <a:r>
-              <a:rPr lang="sr-Latn-RS" sz="2400"/>
-              <a:t>S</a:t>
-            </a:r>
-            <a:r>
-              <a:rPr lang="en-GB" sz="2400"/>
-              <a:t>aglasnost korisnika</a:t>
-            </a:r>
-            <a:endParaRPr lang="sr-Latn-RS" sz="2400"/>
-          </a:p>
-          <a:p>
-            <a:pPr lvl="1"/>
-            <a:r>
-              <a:rPr lang="en-GB" sz="2400"/>
-              <a:t>Anonimnost</a:t>
-            </a:r>
-            <a:endParaRPr lang="sr-Latn-RS" sz="2400"/>
-          </a:p>
-          <a:p>
-            <a:pPr lvl="1"/>
-            <a:r>
-              <a:rPr lang="sr-Latn-RS" sz="2400"/>
-              <a:t>Z</a:t>
-            </a:r>
-            <a:r>
-              <a:rPr lang="en-GB" sz="2400"/>
-              <a:t>aštitu ličnih podataka</a:t>
-            </a:r>
-            <a:endParaRPr lang="sr-Latn-RS" sz="2400"/>
-          </a:p>
-          <a:p>
-            <a:r>
-              <a:rPr lang="en-GB" sz="2400"/>
-              <a:t>Zakonski okviri (npr. GDPR) imaju veliki uticaj.</a:t>
-            </a:r>
-          </a:p>
-        </p:txBody>
-      </p:sp>
-    </p:spTree>
-    <p:extLst>
-      <p:ext uri="{BB962C8B-B14F-4D97-AF65-F5344CB8AC3E}">
-        <p14:creationId xmlns:p14="http://schemas.microsoft.com/office/powerpoint/2010/main" val="230032610"/>
-      </p:ext>
-    </p:extLst>
-  </p:cSld>
-  <p:clrMapOvr>
-    <a:masterClrMapping/>
-  </p:clrMapOvr>
-</p:sld>
-</file>
-
-<file path=ppt/slides/slide16.xml><?xml version="1.0" encoding="utf-8"?>
-<p:sld xmlns:a="http://schemas.openxmlformats.org/drawingml/2006/main" xmlns:r="http://schemas.openxmlformats.org/officeDocument/2006/relationships" xmlns:p="http://schemas.openxmlformats.org/presentationml/2006/main">
-  <p:cSld>
-    <p:spTree>
-      <p:nvGrpSpPr>
-        <p:cNvPr id="1" name=""/>
-        <p:cNvGrpSpPr/>
-        <p:nvPr/>
-      </p:nvGrpSpPr>
-      <p:grpSpPr>
-        <a:xfrm>
-          <a:off x="0" y="0"/>
-          <a:ext cx="0" cy="0"/>
-          <a:chOff x="0" y="0"/>
-          <a:chExt cx="0" cy="0"/>
-        </a:xfrm>
-      </p:grpSpPr>
-      <p:sp>
-        <p:nvSpPr>
-          <p:cNvPr id="2" name="Title 1">
-            <a:extLst>
-              <a:ext uri="{FF2B5EF4-FFF2-40B4-BE49-F238E27FC236}">
-                <a16:creationId xmlns:a16="http://schemas.microsoft.com/office/drawing/2014/main" id="{5B750EAE-B2A6-26FA-0693-11001E635F49}"/>
-              </a:ext>
-            </a:extLst>
-          </p:cNvPr>
-          <p:cNvSpPr>
-            <a:spLocks noGrp="1"/>
-          </p:cNvSpPr>
-          <p:nvPr>
-            <p:ph type="title"/>
-          </p:nvPr>
-        </p:nvSpPr>
-        <p:spPr/>
-        <p:txBody>
-          <a:bodyPr/>
-          <a:lstStyle/>
-          <a:p>
-            <a:r>
-              <a:rPr lang="en-GB"/>
-              <a:t>Balans i raznovrsnost podataka</a:t>
-            </a:r>
-          </a:p>
-        </p:txBody>
-      </p:sp>
-      <p:sp>
-        <p:nvSpPr>
-          <p:cNvPr id="3" name="Content Placeholder 2">
-            <a:extLst>
-              <a:ext uri="{FF2B5EF4-FFF2-40B4-BE49-F238E27FC236}">
-                <a16:creationId xmlns:a16="http://schemas.microsoft.com/office/drawing/2014/main" id="{D2AC6BDB-42B0-2C90-48CB-1477B54C8246}"/>
-              </a:ext>
-            </a:extLst>
-          </p:cNvPr>
-          <p:cNvSpPr>
-            <a:spLocks noGrp="1"/>
-          </p:cNvSpPr>
-          <p:nvPr>
-            <p:ph idx="1"/>
-          </p:nvPr>
-        </p:nvSpPr>
-        <p:spPr/>
-        <p:txBody>
-          <a:bodyPr>
-            <a:normAutofit/>
-          </a:bodyPr>
-          <a:lstStyle/>
-          <a:p>
-            <a:r>
-              <a:rPr lang="en-GB" sz="2400"/>
-              <a:t>Kvalitetan dataset mora sadržati:</a:t>
-            </a:r>
-            <a:endParaRPr lang="sr-Latn-RS" sz="2400"/>
-          </a:p>
-          <a:p>
-            <a:pPr lvl="1"/>
-            <a:r>
-              <a:rPr lang="en-GB" sz="2400"/>
-              <a:t>različite polove</a:t>
-            </a:r>
-            <a:endParaRPr lang="sr-Latn-RS" sz="2400"/>
-          </a:p>
-          <a:p>
-            <a:pPr lvl="1"/>
-            <a:r>
-              <a:rPr lang="en-GB" sz="2400"/>
-              <a:t>različite uzraste</a:t>
-            </a:r>
-            <a:endParaRPr lang="sr-Latn-RS" sz="2400"/>
-          </a:p>
-          <a:p>
-            <a:pPr lvl="1"/>
-            <a:r>
-              <a:rPr lang="en-GB" sz="2400"/>
-              <a:t>razne akcente i dijalekte</a:t>
-            </a:r>
-            <a:endParaRPr lang="sr-Latn-RS" sz="2400"/>
-          </a:p>
-          <a:p>
-            <a:r>
-              <a:rPr lang="pl-PL" sz="2400"/>
-              <a:t>Neravnoteža u podacima može dovesti do pristrasnih modela.</a:t>
-            </a:r>
-            <a:endParaRPr lang="en-GB" sz="2400"/>
-          </a:p>
-        </p:txBody>
-      </p:sp>
-    </p:spTree>
-    <p:extLst>
-      <p:ext uri="{BB962C8B-B14F-4D97-AF65-F5344CB8AC3E}">
-        <p14:creationId xmlns:p14="http://schemas.microsoft.com/office/powerpoint/2010/main" val="1472146705"/>
-      </p:ext>
-    </p:extLst>
-  </p:cSld>
-  <p:clrMapOvr>
-    <a:masterClrMapping/>
-  </p:clrMapOvr>
-</p:sld>
-</file>
-
-<file path=ppt/slides/slide17.xml><?xml version="1.0" encoding="utf-8"?>
-<p:sld xmlns:a="http://schemas.openxmlformats.org/drawingml/2006/main" xmlns:r="http://schemas.openxmlformats.org/officeDocument/2006/relationships" xmlns:p="http://schemas.openxmlformats.org/presentationml/2006/main">
-  <p:cSld>
-    <p:spTree>
-      <p:nvGrpSpPr>
-        <p:cNvPr id="1" name=""/>
-        <p:cNvGrpSpPr/>
-        <p:nvPr/>
-      </p:nvGrpSpPr>
-      <p:grpSpPr>
-        <a:xfrm>
-          <a:off x="0" y="0"/>
-          <a:ext cx="0" cy="0"/>
-          <a:chOff x="0" y="0"/>
-          <a:chExt cx="0" cy="0"/>
-        </a:xfrm>
-      </p:grpSpPr>
-      <p:sp>
-        <p:nvSpPr>
-          <p:cNvPr id="2" name="Title 1">
-            <a:extLst>
-              <a:ext uri="{FF2B5EF4-FFF2-40B4-BE49-F238E27FC236}">
-                <a16:creationId xmlns:a16="http://schemas.microsoft.com/office/drawing/2014/main" id="{6F15849F-5131-47BB-9928-C9BA97F418B1}"/>
-              </a:ext>
-            </a:extLst>
-          </p:cNvPr>
-          <p:cNvSpPr>
-            <a:spLocks noGrp="1"/>
-          </p:cNvSpPr>
-          <p:nvPr>
-            <p:ph type="title"/>
-          </p:nvPr>
-        </p:nvSpPr>
-        <p:spPr/>
-        <p:txBody>
-          <a:bodyPr/>
-          <a:lstStyle/>
-          <a:p>
-            <a:r>
-              <a:rPr lang="en-GB"/>
-              <a:t>Izazovi u dostupnosti podataka</a:t>
-            </a:r>
-          </a:p>
-        </p:txBody>
-      </p:sp>
-      <p:sp>
-        <p:nvSpPr>
-          <p:cNvPr id="3" name="Content Placeholder 2">
-            <a:extLst>
-              <a:ext uri="{FF2B5EF4-FFF2-40B4-BE49-F238E27FC236}">
-                <a16:creationId xmlns:a16="http://schemas.microsoft.com/office/drawing/2014/main" id="{851B5AE4-8124-865F-18FD-A5CD7AC99CF6}"/>
-              </a:ext>
-            </a:extLst>
-          </p:cNvPr>
-          <p:cNvSpPr>
-            <a:spLocks noGrp="1"/>
-          </p:cNvSpPr>
-          <p:nvPr>
-            <p:ph idx="1"/>
-          </p:nvPr>
-        </p:nvSpPr>
-        <p:spPr/>
-        <p:txBody>
-          <a:bodyPr>
-            <a:normAutofit/>
-          </a:bodyPr>
-          <a:lstStyle/>
-          <a:p>
-            <a:r>
-              <a:rPr lang="en-GB" sz="2400"/>
-              <a:t>Glavni izazovi su:</a:t>
-            </a:r>
-            <a:endParaRPr lang="en-US" sz="2400"/>
-          </a:p>
-          <a:p>
-            <a:pPr lvl="1"/>
-            <a:r>
-              <a:rPr lang="pl-PL" sz="2400"/>
-              <a:t>nedostatak podataka za male jezike</a:t>
-            </a:r>
-          </a:p>
-          <a:p>
-            <a:pPr lvl="1"/>
-            <a:r>
-              <a:rPr lang="en-GB" sz="2400"/>
-              <a:t>visoki troškovi anotacije</a:t>
-            </a:r>
-            <a:endParaRPr lang="sr-Latn-RS" sz="2400"/>
-          </a:p>
-          <a:p>
-            <a:pPr lvl="1"/>
-            <a:r>
-              <a:rPr lang="en-GB" sz="2400"/>
-              <a:t>šum i loš kvalitet snimaka</a:t>
-            </a:r>
-            <a:endParaRPr lang="sr-Latn-RS" sz="2400"/>
-          </a:p>
-          <a:p>
-            <a:r>
-              <a:rPr lang="it-IT" sz="2400"/>
-              <a:t>Ovo ograničava razvoj globalnih sistema.</a:t>
-            </a:r>
-            <a:endParaRPr lang="en-GB" sz="2400"/>
-          </a:p>
-        </p:txBody>
-      </p:sp>
-    </p:spTree>
-    <p:extLst>
-      <p:ext uri="{BB962C8B-B14F-4D97-AF65-F5344CB8AC3E}">
-        <p14:creationId xmlns:p14="http://schemas.microsoft.com/office/powerpoint/2010/main" val="2679871956"/>
-      </p:ext>
-    </p:extLst>
-  </p:cSld>
-  <p:clrMapOvr>
-    <a:masterClrMapping/>
-  </p:clrMapOvr>
-</p:sld>
-</file>
-
-<file path=ppt/slides/slide18.xml><?xml version="1.0" encoding="utf-8"?>
-<p:sld xmlns:a="http://schemas.openxmlformats.org/drawingml/2006/main" xmlns:r="http://schemas.openxmlformats.org/officeDocument/2006/relationships" xmlns:p="http://schemas.openxmlformats.org/presentationml/2006/main">
-  <p:cSld>
-    <p:spTree>
-      <p:nvGrpSpPr>
-        <p:cNvPr id="1" name=""/>
-        <p:cNvGrpSpPr/>
-        <p:nvPr/>
-      </p:nvGrpSpPr>
-      <p:grpSpPr>
-        <a:xfrm>
-          <a:off x="0" y="0"/>
-          <a:ext cx="0" cy="0"/>
-          <a:chOff x="0" y="0"/>
-          <a:chExt cx="0" cy="0"/>
-        </a:xfrm>
-      </p:grpSpPr>
-      <p:sp>
-        <p:nvSpPr>
-          <p:cNvPr id="2" name="Title 1">
-            <a:extLst>
-              <a:ext uri="{FF2B5EF4-FFF2-40B4-BE49-F238E27FC236}">
-                <a16:creationId xmlns:a16="http://schemas.microsoft.com/office/drawing/2014/main" id="{71FE9DBE-BC2F-C35F-3B6B-F731956AEAC5}"/>
-              </a:ext>
-            </a:extLst>
-          </p:cNvPr>
-          <p:cNvSpPr>
-            <a:spLocks noGrp="1"/>
-          </p:cNvSpPr>
-          <p:nvPr>
-            <p:ph type="title"/>
-          </p:nvPr>
-        </p:nvSpPr>
-        <p:spPr/>
-        <p:txBody>
-          <a:bodyPr/>
-          <a:lstStyle/>
-          <a:p>
-            <a:r>
-              <a:rPr lang="en-GB"/>
-              <a:t>Poređenje javnih dataset-a</a:t>
-            </a:r>
-          </a:p>
-        </p:txBody>
-      </p:sp>
-      <p:sp>
-        <p:nvSpPr>
-          <p:cNvPr id="3" name="Content Placeholder 2">
-            <a:extLst>
-              <a:ext uri="{FF2B5EF4-FFF2-40B4-BE49-F238E27FC236}">
-                <a16:creationId xmlns:a16="http://schemas.microsoft.com/office/drawing/2014/main" id="{458D0F8D-18B8-4B84-7891-B37DBC05DE87}"/>
-              </a:ext>
-            </a:extLst>
-          </p:cNvPr>
-          <p:cNvSpPr>
-            <a:spLocks noGrp="1"/>
-          </p:cNvSpPr>
-          <p:nvPr>
-            <p:ph idx="1"/>
-          </p:nvPr>
-        </p:nvSpPr>
-        <p:spPr/>
-        <p:txBody>
-          <a:bodyPr>
-            <a:normAutofit/>
-          </a:bodyPr>
-          <a:lstStyle/>
-          <a:p>
-            <a:r>
-              <a:rPr lang="en-GB" sz="2400"/>
-              <a:t>Dataset-i se razlikuju po:</a:t>
-            </a:r>
-            <a:endParaRPr lang="sr-Latn-RS" sz="2400"/>
-          </a:p>
-          <a:p>
-            <a:pPr lvl="1"/>
-            <a:r>
-              <a:rPr lang="en-GB" sz="2400"/>
-              <a:t>Jeziku</a:t>
-            </a:r>
-            <a:endParaRPr lang="sr-Latn-RS" sz="2400"/>
-          </a:p>
-          <a:p>
-            <a:pPr lvl="1"/>
-            <a:r>
-              <a:rPr lang="en-GB" sz="2400"/>
-              <a:t>Veličini</a:t>
-            </a:r>
-            <a:endParaRPr lang="sr-Latn-RS" sz="2400"/>
-          </a:p>
-          <a:p>
-            <a:pPr lvl="1"/>
-            <a:r>
-              <a:rPr lang="sr-Latn-RS" sz="2400"/>
-              <a:t>T</a:t>
-            </a:r>
-            <a:r>
-              <a:rPr lang="en-GB" sz="2400"/>
-              <a:t>ipu govora</a:t>
-            </a:r>
-            <a:endParaRPr lang="sr-Latn-RS" sz="2400"/>
-          </a:p>
-          <a:p>
-            <a:pPr lvl="1"/>
-            <a:r>
-              <a:rPr lang="sr-Latn-RS" sz="2400"/>
-              <a:t>K</a:t>
-            </a:r>
-            <a:r>
-              <a:rPr lang="en-GB" sz="2400"/>
-              <a:t>valitetu transkripcije</a:t>
-            </a:r>
-            <a:endParaRPr lang="sr-Latn-RS" sz="2400"/>
-          </a:p>
-          <a:p>
-            <a:r>
-              <a:rPr lang="en-GB" sz="2400"/>
-              <a:t>Izbor dataset-a zavisi od cilja sistema.</a:t>
-            </a:r>
-          </a:p>
-        </p:txBody>
-      </p:sp>
-    </p:spTree>
-    <p:extLst>
-      <p:ext uri="{BB962C8B-B14F-4D97-AF65-F5344CB8AC3E}">
-        <p14:creationId xmlns:p14="http://schemas.microsoft.com/office/powerpoint/2010/main" val="4236086827"/>
-      </p:ext>
-    </p:extLst>
-  </p:cSld>
-  <p:clrMapOvr>
-    <a:masterClrMapping/>
-  </p:clrMapOvr>
-</p:sld>
-</file>
-
-<file path=ppt/slides/slide19.xml><?xml version="1.0" encoding="utf-8"?>
-<p:sld xmlns:a="http://schemas.openxmlformats.org/drawingml/2006/main" xmlns:r="http://schemas.openxmlformats.org/officeDocument/2006/relationships" xmlns:p="http://schemas.openxmlformats.org/presentationml/2006/main">
-  <p:cSld>
-    <p:spTree>
-      <p:nvGrpSpPr>
-        <p:cNvPr id="1" name=""/>
-        <p:cNvGrpSpPr/>
-        <p:nvPr/>
-      </p:nvGrpSpPr>
-      <p:grpSpPr>
-        <a:xfrm>
-          <a:off x="0" y="0"/>
-          <a:ext cx="0" cy="0"/>
-          <a:chOff x="0" y="0"/>
-          <a:chExt cx="0" cy="0"/>
-        </a:xfrm>
-      </p:grpSpPr>
-      <p:sp>
-        <p:nvSpPr>
-          <p:cNvPr id="2" name="Title 1">
-            <a:extLst>
-              <a:ext uri="{FF2B5EF4-FFF2-40B4-BE49-F238E27FC236}">
-                <a16:creationId xmlns:a16="http://schemas.microsoft.com/office/drawing/2014/main" id="{4EA9815A-EEE8-B54B-4A69-65EEE9A489C7}"/>
-              </a:ext>
-            </a:extLst>
-          </p:cNvPr>
-          <p:cNvSpPr>
-            <a:spLocks noGrp="1"/>
-          </p:cNvSpPr>
-          <p:nvPr>
-            <p:ph type="title"/>
-          </p:nvPr>
-        </p:nvSpPr>
-        <p:spPr/>
-        <p:txBody>
-          <a:bodyPr/>
-          <a:lstStyle/>
-          <a:p>
-            <a:r>
-              <a:rPr lang="en-GB"/>
-              <a:t>Budući trendovi</a:t>
-            </a:r>
-          </a:p>
-        </p:txBody>
-      </p:sp>
-      <p:sp>
-        <p:nvSpPr>
-          <p:cNvPr id="3" name="Content Placeholder 2">
-            <a:extLst>
-              <a:ext uri="{FF2B5EF4-FFF2-40B4-BE49-F238E27FC236}">
-                <a16:creationId xmlns:a16="http://schemas.microsoft.com/office/drawing/2014/main" id="{587D8A7A-40B8-A358-781D-B36A77E7EAEA}"/>
-              </a:ext>
-            </a:extLst>
-          </p:cNvPr>
-          <p:cNvSpPr>
-            <a:spLocks noGrp="1"/>
-          </p:cNvSpPr>
-          <p:nvPr>
-            <p:ph idx="1"/>
-          </p:nvPr>
-        </p:nvSpPr>
-        <p:spPr/>
-        <p:txBody>
-          <a:bodyPr>
-            <a:normAutofit/>
-          </a:bodyPr>
-          <a:lstStyle/>
-          <a:p>
-            <a:r>
-              <a:rPr lang="pl-PL" sz="2400"/>
-              <a:t>Trendovi u oblasti podataka za govor:</a:t>
-            </a:r>
-          </a:p>
-          <a:p>
-            <a:pPr lvl="1"/>
-            <a:r>
-              <a:rPr lang="en-GB" sz="2400"/>
-              <a:t>crowdsourcing (npr. Common Voice)</a:t>
-            </a:r>
-            <a:endParaRPr lang="sr-Latn-RS" sz="2400"/>
-          </a:p>
-          <a:p>
-            <a:pPr lvl="1"/>
-            <a:r>
-              <a:rPr lang="en-GB" sz="2400"/>
-              <a:t>samonadzirano učenje</a:t>
-            </a:r>
-            <a:endParaRPr lang="sr-Latn-RS" sz="2400"/>
-          </a:p>
-          <a:p>
-            <a:pPr lvl="1"/>
-            <a:r>
-              <a:rPr lang="en-GB" sz="2400"/>
-              <a:t>generisanje sintetičkog govora</a:t>
-            </a:r>
-            <a:endParaRPr lang="sr-Latn-RS" sz="2400"/>
-          </a:p>
-          <a:p>
-            <a:r>
-              <a:rPr lang="en-GB" sz="2400"/>
-              <a:t>Cilj je smanjiti zavisnost od ručno anotiranih podataka.</a:t>
-            </a:r>
-          </a:p>
-        </p:txBody>
-      </p:sp>
-    </p:spTree>
-    <p:extLst>
-      <p:ext uri="{BB962C8B-B14F-4D97-AF65-F5344CB8AC3E}">
-        <p14:creationId xmlns:p14="http://schemas.microsoft.com/office/powerpoint/2010/main" val="3759438774"/>
+        <p14:creationId xmlns:p14="http://schemas.microsoft.com/office/powerpoint/2010/main" val="1505807320"/>
       </p:ext>
     </p:extLst>
   </p:cSld>
@@ -5146,168 +4207,6 @@
     <p:extLst>
       <p:ext uri="{BB962C8B-B14F-4D97-AF65-F5344CB8AC3E}">
         <p14:creationId xmlns:p14="http://schemas.microsoft.com/office/powerpoint/2010/main" val="3454293404"/>
-      </p:ext>
-    </p:extLst>
-  </p:cSld>
-  <p:clrMapOvr>
-    <a:masterClrMapping/>
-  </p:clrMapOvr>
-</p:sld>
-</file>
-
-<file path=ppt/slides/slide20.xml><?xml version="1.0" encoding="utf-8"?>
-<p:sld xmlns:a="http://schemas.openxmlformats.org/drawingml/2006/main" xmlns:r="http://schemas.openxmlformats.org/officeDocument/2006/relationships" xmlns:p="http://schemas.openxmlformats.org/presentationml/2006/main">
-  <p:cSld>
-    <p:spTree>
-      <p:nvGrpSpPr>
-        <p:cNvPr id="1" name=""/>
-        <p:cNvGrpSpPr/>
-        <p:nvPr/>
-      </p:nvGrpSpPr>
-      <p:grpSpPr>
-        <a:xfrm>
-          <a:off x="0" y="0"/>
-          <a:ext cx="0" cy="0"/>
-          <a:chOff x="0" y="0"/>
-          <a:chExt cx="0" cy="0"/>
-        </a:xfrm>
-      </p:grpSpPr>
-      <p:sp>
-        <p:nvSpPr>
-          <p:cNvPr id="2" name="Title 1">
-            <a:extLst>
-              <a:ext uri="{FF2B5EF4-FFF2-40B4-BE49-F238E27FC236}">
-                <a16:creationId xmlns:a16="http://schemas.microsoft.com/office/drawing/2014/main" id="{DA7C6D56-A459-9DD6-C24F-2C9E1FA2F86E}"/>
-              </a:ext>
-            </a:extLst>
-          </p:cNvPr>
-          <p:cNvSpPr>
-            <a:spLocks noGrp="1"/>
-          </p:cNvSpPr>
-          <p:nvPr>
-            <p:ph type="title"/>
-          </p:nvPr>
-        </p:nvSpPr>
-        <p:spPr/>
-        <p:txBody>
-          <a:bodyPr/>
-          <a:lstStyle/>
-          <a:p>
-            <a:r>
-              <a:rPr lang="en-GB"/>
-              <a:t>Zaključak</a:t>
-            </a:r>
-          </a:p>
-        </p:txBody>
-      </p:sp>
-      <p:sp>
-        <p:nvSpPr>
-          <p:cNvPr id="3" name="Content Placeholder 2">
-            <a:extLst>
-              <a:ext uri="{FF2B5EF4-FFF2-40B4-BE49-F238E27FC236}">
-                <a16:creationId xmlns:a16="http://schemas.microsoft.com/office/drawing/2014/main" id="{F12CAFF4-F9DE-D853-B8FF-B8252CEC2941}"/>
-              </a:ext>
-            </a:extLst>
-          </p:cNvPr>
-          <p:cNvSpPr>
-            <a:spLocks noGrp="1"/>
-          </p:cNvSpPr>
-          <p:nvPr>
-            <p:ph idx="1"/>
-          </p:nvPr>
-        </p:nvSpPr>
-        <p:spPr/>
-        <p:txBody>
-          <a:bodyPr>
-            <a:normAutofit/>
-          </a:bodyPr>
-          <a:lstStyle/>
-          <a:p>
-            <a:r>
-              <a:rPr lang="en-GB" sz="2400"/>
-              <a:t>Izvori podataka su ključni faktor uspeha sistema za prepoznavanje govora.</a:t>
-            </a:r>
-            <a:endParaRPr lang="sr-Latn-RS" sz="2400"/>
-          </a:p>
-          <a:p>
-            <a:r>
-              <a:rPr lang="en-GB" sz="2400"/>
-              <a:t>Javni dataset-i omogućavaju istraživanje i razvoj.</a:t>
-            </a:r>
-            <a:endParaRPr lang="sr-Latn-RS" sz="2400"/>
-          </a:p>
-          <a:p>
-            <a:r>
-              <a:rPr lang="en-GB" sz="2400"/>
-              <a:t>Ipak, kvalitet, raznovrsnost i etički aspekti ostaju veliki izazovi u ovoj oblasti.</a:t>
-            </a:r>
-          </a:p>
-        </p:txBody>
-      </p:sp>
-    </p:spTree>
-    <p:extLst>
-      <p:ext uri="{BB962C8B-B14F-4D97-AF65-F5344CB8AC3E}">
-        <p14:creationId xmlns:p14="http://schemas.microsoft.com/office/powerpoint/2010/main" val="549290673"/>
-      </p:ext>
-    </p:extLst>
-  </p:cSld>
-  <p:clrMapOvr>
-    <a:masterClrMapping/>
-  </p:clrMapOvr>
-</p:sld>
-</file>
-
-<file path=ppt/slides/slide21.xml><?xml version="1.0" encoding="utf-8"?>
-<p:sld xmlns:a="http://schemas.openxmlformats.org/drawingml/2006/main" xmlns:r="http://schemas.openxmlformats.org/officeDocument/2006/relationships" xmlns:p="http://schemas.openxmlformats.org/presentationml/2006/main">
-  <p:cSld>
-    <p:spTree>
-      <p:nvGrpSpPr>
-        <p:cNvPr id="1" name=""/>
-        <p:cNvGrpSpPr/>
-        <p:nvPr/>
-      </p:nvGrpSpPr>
-      <p:grpSpPr>
-        <a:xfrm>
-          <a:off x="0" y="0"/>
-          <a:ext cx="0" cy="0"/>
-          <a:chOff x="0" y="0"/>
-          <a:chExt cx="0" cy="0"/>
-        </a:xfrm>
-      </p:grpSpPr>
-      <p:sp>
-        <p:nvSpPr>
-          <p:cNvPr id="2" name="Title 1">
-            <a:extLst>
-              <a:ext uri="{FF2B5EF4-FFF2-40B4-BE49-F238E27FC236}">
-                <a16:creationId xmlns:a16="http://schemas.microsoft.com/office/drawing/2014/main" id="{A9538091-97C3-2BE3-A213-3AE0857169BD}"/>
-              </a:ext>
-            </a:extLst>
-          </p:cNvPr>
-          <p:cNvSpPr>
-            <a:spLocks noGrp="1"/>
-          </p:cNvSpPr>
-          <p:nvPr>
-            <p:ph type="ctrTitle"/>
-          </p:nvPr>
-        </p:nvSpPr>
-        <p:spPr/>
-        <p:txBody>
-          <a:bodyPr anchor="ctr"/>
-          <a:lstStyle/>
-          <a:p>
-            <a:pPr algn="ctr"/>
-            <a:r>
-              <a:rPr lang="sr-Latn-RS"/>
-              <a:t>Hvala na pažnji!</a:t>
-            </a:r>
-            <a:endParaRPr lang="en-GB"/>
-          </a:p>
-        </p:txBody>
-      </p:sp>
-    </p:spTree>
-    <p:extLst>
-      <p:ext uri="{BB962C8B-B14F-4D97-AF65-F5344CB8AC3E}">
-        <p14:creationId xmlns:p14="http://schemas.microsoft.com/office/powerpoint/2010/main" val="1505807320"/>
       </p:ext>
     </p:extLst>
   </p:cSld>
@@ -5892,41 +4791,101 @@
           <a:lstStyle/>
           <a:p>
             <a:r>
-              <a:rPr lang="en-GB" sz="2400"/>
-              <a:t>Anotacija podataka uključuje:</a:t>
-            </a:r>
-            <a:endParaRPr lang="sr-Latn-RS" sz="2400"/>
+              <a:rPr lang="en-GB" sz="2400" dirty="0" err="1"/>
+              <a:t>Anotacija</a:t>
+            </a:r>
+            <a:r>
+              <a:rPr lang="en-GB" sz="2400" dirty="0"/>
+              <a:t> </a:t>
+            </a:r>
+            <a:r>
+              <a:rPr lang="en-GB" sz="2400" dirty="0" err="1"/>
+              <a:t>podataka</a:t>
+            </a:r>
+            <a:r>
+              <a:rPr lang="en-GB" sz="2400" dirty="0"/>
+              <a:t> </a:t>
+            </a:r>
+            <a:r>
+              <a:rPr lang="en-GB" sz="2400" dirty="0" err="1"/>
+              <a:t>uključuje</a:t>
+            </a:r>
+            <a:r>
+              <a:rPr lang="en-GB" sz="2400" dirty="0"/>
+              <a:t>:</a:t>
+            </a:r>
+            <a:endParaRPr lang="sr-Latn-RS" sz="2400" dirty="0"/>
           </a:p>
           <a:p>
             <a:pPr lvl="1"/>
             <a:r>
-              <a:rPr lang="en-GB" sz="2400"/>
-              <a:t>poravnanje govora i teksta</a:t>
-            </a:r>
-            <a:endParaRPr lang="sr-Latn-RS" sz="2400"/>
+              <a:rPr lang="en-GB" sz="2400" dirty="0" err="1"/>
+              <a:t>poravnanje</a:t>
+            </a:r>
+            <a:r>
+              <a:rPr lang="en-GB" sz="2400" dirty="0"/>
+              <a:t> </a:t>
+            </a:r>
+            <a:r>
+              <a:rPr lang="en-GB" sz="2400" dirty="0" err="1"/>
+              <a:t>govora</a:t>
+            </a:r>
+            <a:r>
+              <a:rPr lang="en-GB" sz="2400" dirty="0"/>
+              <a:t> </a:t>
+            </a:r>
+            <a:r>
+              <a:rPr lang="en-GB" sz="2400" dirty="0" err="1"/>
+              <a:t>i</a:t>
+            </a:r>
+            <a:r>
+              <a:rPr lang="en-GB" sz="2400" dirty="0"/>
+              <a:t> </a:t>
+            </a:r>
+            <a:r>
+              <a:rPr lang="en-GB" sz="2400" dirty="0" err="1"/>
+              <a:t>teksta</a:t>
+            </a:r>
+            <a:endParaRPr lang="sr-Latn-RS" sz="2400" dirty="0"/>
           </a:p>
           <a:p>
             <a:pPr lvl="1"/>
             <a:r>
-              <a:rPr lang="en-GB" sz="2400"/>
-              <a:t>označavanje pauza</a:t>
-            </a:r>
-            <a:endParaRPr lang="sr-Latn-RS" sz="2400"/>
+              <a:rPr lang="en-GB" sz="2400" dirty="0" err="1"/>
+              <a:t>označavanje</a:t>
+            </a:r>
+            <a:r>
+              <a:rPr lang="en-GB" sz="2400" dirty="0"/>
+              <a:t> </a:t>
+            </a:r>
+            <a:r>
+              <a:rPr lang="en-GB" sz="2400" dirty="0" err="1"/>
+              <a:t>pauza</a:t>
+            </a:r>
+            <a:endParaRPr lang="sr-Latn-RS" sz="2400" dirty="0"/>
           </a:p>
           <a:p>
             <a:pPr lvl="1"/>
             <a:r>
-              <a:rPr lang="en-GB" sz="2400"/>
-              <a:t>označavanje govornika</a:t>
-            </a:r>
-            <a:endParaRPr lang="sr-Latn-RS" sz="2400"/>
-          </a:p>
-          <a:p>
-            <a:r>
-              <a:rPr lang="pl-PL" sz="2400"/>
+              <a:rPr lang="en-GB" sz="2400" dirty="0" err="1"/>
+              <a:t>označavanje</a:t>
+            </a:r>
+            <a:r>
+              <a:rPr lang="en-GB" sz="2400" dirty="0"/>
+              <a:t> </a:t>
+            </a:r>
+            <a:r>
+              <a:rPr lang="en-GB" sz="2400" dirty="0" err="1"/>
+              <a:t>govornika</a:t>
+            </a:r>
+            <a:endParaRPr lang="sr-Latn-RS" sz="2400" dirty="0"/>
+          </a:p>
+          <a:p>
+            <a:r>
+              <a:rPr lang="pl-PL" sz="2400" dirty="0"/>
               <a:t>Ovo je jedan od najskupljih i najsporijih procesa u izradi dataset-a.</a:t>
             </a:r>
-            <a:endParaRPr lang="en-GB" sz="2400" b="1"/>
+            <a:endParaRPr lang="en-GB" sz="2400" b="1" dirty="0"/>
           </a:p>
         </p:txBody>
       </p:sp>
@@ -6060,7 +5019,7 @@
           <p:cNvPr id="2" name="Title 1">
             <a:extLst>
               <a:ext uri="{FF2B5EF4-FFF2-40B4-BE49-F238E27FC236}">
-                <a16:creationId xmlns:a16="http://schemas.microsoft.com/office/drawing/2014/main" id="{35C2EDED-5C40-2AD3-6CA2-AD78DD6CDB46}"/>
+                <a16:creationId xmlns:a16="http://schemas.microsoft.com/office/drawing/2014/main" id="{97876E85-E00E-D586-DE21-5401B945A829}"/>
               </a:ext>
             </a:extLst>
           </p:cNvPr>
@@ -6078,7 +5037,7 @@
           <a:p>
             <a:r>
               <a:rPr lang="en-GB"/>
-              <a:t>LibriSpeech dataset</a:t>
+              <a:t>Industrijski i komercijalni izvori</a:t>
             </a:r>
           </a:p>
         </p:txBody>
@@ -6088,7 +5047,7 @@
           <p:cNvPr id="3" name="Content Placeholder 2">
             <a:extLst>
               <a:ext uri="{FF2B5EF4-FFF2-40B4-BE49-F238E27FC236}">
-                <a16:creationId xmlns:a16="http://schemas.microsoft.com/office/drawing/2014/main" id="{AF49A75D-1680-258D-28C9-0BA32BA36797}"/>
+                <a16:creationId xmlns:a16="http://schemas.microsoft.com/office/drawing/2014/main" id="{CBE0C052-B698-0216-32D9-02C0AC75A02A}"/>
               </a:ext>
             </a:extLst>
           </p:cNvPr>
@@ -6107,21 +5066,16 @@
           <a:lstStyle/>
           <a:p>
             <a:r>
-              <a:rPr lang="pl-PL" sz="2400"/>
-              <a:t>LibriSpeech je jedan od najpoznatijih dataset-a.</a:t>
-            </a:r>
-          </a:p>
-          <a:p>
-            <a:r>
-              <a:rPr lang="pl-PL" sz="2400"/>
-              <a:t>Sadrži:</a:t>
-            </a:r>
+              <a:rPr lang="en-GB" sz="2400"/>
+              <a:t>Velike kompanije koriste:</a:t>
+            </a:r>
+            <a:endParaRPr lang="sr-Latn-RS" sz="2400"/>
           </a:p>
           <a:p>
             <a:pPr lvl="1"/>
             <a:r>
               <a:rPr lang="en-GB" sz="2400"/>
-              <a:t>hiljade sati govora</a:t>
+              <a:t>privatne dataset-e</a:t>
             </a:r>
             <a:endParaRPr lang="sr-Latn-RS" sz="2400"/>
           </a:p>
@@ -6129,7 +5083,7 @@
             <a:pPr lvl="1"/>
             <a:r>
               <a:rPr lang="en-GB" sz="2400"/>
-              <a:t>engleski jezik</a:t>
+              <a:t>snimke korisničkih interakcija</a:t>
             </a:r>
             <a:endParaRPr lang="sr-Latn-RS" sz="2400"/>
           </a:p>
@@ -6137,14 +5091,14 @@
             <a:pPr lvl="1"/>
             <a:r>
               <a:rPr lang="en-GB" sz="2400"/>
-              <a:t>audio knjige čitane naglas</a:t>
-            </a:r>
-            <a:endParaRPr lang="pl-PL" sz="2400"/>
+              <a:t>podatke iz call centara</a:t>
+            </a:r>
+            <a:endParaRPr lang="sr-Latn-RS" sz="2400"/>
           </a:p>
           <a:p>
             <a:r>
               <a:rPr lang="en-GB" sz="2400"/>
-              <a:t>Često se koristi kao standard za poređenje modela.</a:t>
+              <a:t>Ovi podaci često nisu javno dostupni zbog privatnosti.</a:t>
             </a:r>
           </a:p>
         </p:txBody>
@@ -6152,7 +5106,7 @@
     </p:spTree>
     <p:extLst>
       <p:ext uri="{BB962C8B-B14F-4D97-AF65-F5344CB8AC3E}">
-        <p14:creationId xmlns:p14="http://schemas.microsoft.com/office/powerpoint/2010/main" val="1249922722"/>
+        <p14:creationId xmlns:p14="http://schemas.microsoft.com/office/powerpoint/2010/main" val="2676000572"/>
       </p:ext>
     </p:extLst>
   </p:cSld>
